--- a/GPOP_Gaydukova_slides.pptx
+++ b/GPOP_Gaydukova_slides.pptx
@@ -15,6 +15,12 @@
     <p:sldId id="263" r:id="rId9"/>
     <p:sldId id="264" r:id="rId10"/>
     <p:sldId id="265" r:id="rId11"/>
+    <p:sldId id="266" r:id="rId12"/>
+    <p:sldId id="267" r:id="rId13"/>
+    <p:sldId id="269" r:id="rId14"/>
+    <p:sldId id="268" r:id="rId15"/>
+    <p:sldId id="270" r:id="rId16"/>
+    <p:sldId id="271" r:id="rId17"/>
   </p:sldIdLst>
   <p:sldSz cx="12192000" cy="6858000"/>
   <p:notesSz cx="6858000" cy="9144000"/>
@@ -268,7 +274,7 @@
           <a:p>
             <a:fld id="{CA3C006F-11EA-CF46-A0BE-26B5727AC50E}" type="datetimeFigureOut">
               <a:rPr lang="ru-RU" smtClean="0"/>
-              <a:t>03.12.2023</a:t>
+              <a:t>04.12.2023</a:t>
             </a:fld>
             <a:endParaRPr lang="ru-RU"/>
           </a:p>
@@ -466,7 +472,7 @@
           <a:p>
             <a:fld id="{CA3C006F-11EA-CF46-A0BE-26B5727AC50E}" type="datetimeFigureOut">
               <a:rPr lang="ru-RU" smtClean="0"/>
-              <a:t>03.12.2023</a:t>
+              <a:t>04.12.2023</a:t>
             </a:fld>
             <a:endParaRPr lang="ru-RU"/>
           </a:p>
@@ -674,7 +680,7 @@
           <a:p>
             <a:fld id="{CA3C006F-11EA-CF46-A0BE-26B5727AC50E}" type="datetimeFigureOut">
               <a:rPr lang="ru-RU" smtClean="0"/>
-              <a:t>03.12.2023</a:t>
+              <a:t>04.12.2023</a:t>
             </a:fld>
             <a:endParaRPr lang="ru-RU"/>
           </a:p>
@@ -872,7 +878,7 @@
           <a:p>
             <a:fld id="{CA3C006F-11EA-CF46-A0BE-26B5727AC50E}" type="datetimeFigureOut">
               <a:rPr lang="ru-RU" smtClean="0"/>
-              <a:t>03.12.2023</a:t>
+              <a:t>04.12.2023</a:t>
             </a:fld>
             <a:endParaRPr lang="ru-RU"/>
           </a:p>
@@ -1147,7 +1153,7 @@
           <a:p>
             <a:fld id="{CA3C006F-11EA-CF46-A0BE-26B5727AC50E}" type="datetimeFigureOut">
               <a:rPr lang="ru-RU" smtClean="0"/>
-              <a:t>03.12.2023</a:t>
+              <a:t>04.12.2023</a:t>
             </a:fld>
             <a:endParaRPr lang="ru-RU"/>
           </a:p>
@@ -1412,7 +1418,7 @@
           <a:p>
             <a:fld id="{CA3C006F-11EA-CF46-A0BE-26B5727AC50E}" type="datetimeFigureOut">
               <a:rPr lang="ru-RU" smtClean="0"/>
-              <a:t>03.12.2023</a:t>
+              <a:t>04.12.2023</a:t>
             </a:fld>
             <a:endParaRPr lang="ru-RU"/>
           </a:p>
@@ -1824,7 +1830,7 @@
           <a:p>
             <a:fld id="{CA3C006F-11EA-CF46-A0BE-26B5727AC50E}" type="datetimeFigureOut">
               <a:rPr lang="ru-RU" smtClean="0"/>
-              <a:t>03.12.2023</a:t>
+              <a:t>04.12.2023</a:t>
             </a:fld>
             <a:endParaRPr lang="ru-RU"/>
           </a:p>
@@ -1965,7 +1971,7 @@
           <a:p>
             <a:fld id="{CA3C006F-11EA-CF46-A0BE-26B5727AC50E}" type="datetimeFigureOut">
               <a:rPr lang="ru-RU" smtClean="0"/>
-              <a:t>03.12.2023</a:t>
+              <a:t>04.12.2023</a:t>
             </a:fld>
             <a:endParaRPr lang="ru-RU"/>
           </a:p>
@@ -2078,7 +2084,7 @@
           <a:p>
             <a:fld id="{CA3C006F-11EA-CF46-A0BE-26B5727AC50E}" type="datetimeFigureOut">
               <a:rPr lang="ru-RU" smtClean="0"/>
-              <a:t>03.12.2023</a:t>
+              <a:t>04.12.2023</a:t>
             </a:fld>
             <a:endParaRPr lang="ru-RU"/>
           </a:p>
@@ -2389,7 +2395,7 @@
           <a:p>
             <a:fld id="{CA3C006F-11EA-CF46-A0BE-26B5727AC50E}" type="datetimeFigureOut">
               <a:rPr lang="ru-RU" smtClean="0"/>
-              <a:t>03.12.2023</a:t>
+              <a:t>04.12.2023</a:t>
             </a:fld>
             <a:endParaRPr lang="ru-RU"/>
           </a:p>
@@ -2677,7 +2683,7 @@
           <a:p>
             <a:fld id="{CA3C006F-11EA-CF46-A0BE-26B5727AC50E}" type="datetimeFigureOut">
               <a:rPr lang="ru-RU" smtClean="0"/>
-              <a:t>03.12.2023</a:t>
+              <a:t>04.12.2023</a:t>
             </a:fld>
             <a:endParaRPr lang="ru-RU"/>
           </a:p>
@@ -2918,7 +2924,7 @@
           <a:p>
             <a:fld id="{CA3C006F-11EA-CF46-A0BE-26B5727AC50E}" type="datetimeFigureOut">
               <a:rPr lang="ru-RU" smtClean="0"/>
-              <a:t>03.12.2023</a:t>
+              <a:t>04.12.2023</a:t>
             </a:fld>
             <a:endParaRPr lang="ru-RU"/>
           </a:p>
@@ -3372,7 +3378,7 @@
               <a:rPr lang="en-US" sz="3000" dirty="0">
                 <a:latin typeface="Chalkboard" panose="03050602040202020205" pitchFamily="66" charset="0"/>
               </a:rPr>
-              <a:t> Simulating of an evolving population</a:t>
+              <a:t> Simulating an evolving population</a:t>
             </a:r>
             <a:br>
               <a:rPr lang="en-US" sz="3000" dirty="0">
@@ -3438,22 +3444,13 @@
           <a:p>
             <a:pPr algn="r"/>
             <a:r>
-              <a:rPr lang="en-US" dirty="0" err="1">
-                <a:solidFill>
-                  <a:srgbClr val="FF0000"/>
-                </a:solidFill>
-                <a:latin typeface="Chalkboard" panose="03050602040202020205" pitchFamily="66" charset="0"/>
-              </a:rPr>
-              <a:t>Superviser</a:t>
-            </a:r>
-            <a:r>
               <a:rPr lang="en-US" dirty="0">
                 <a:solidFill>
                   <a:srgbClr val="FF0000"/>
                 </a:solidFill>
                 <a:latin typeface="Chalkboard" panose="03050602040202020205" pitchFamily="66" charset="0"/>
               </a:rPr>
-              <a:t>:</a:t>
+              <a:t>Supervised by:</a:t>
             </a:r>
           </a:p>
           <a:p>
@@ -3693,7 +3690,7 @@
         </p:nvSpPr>
         <p:spPr>
           <a:xfrm>
-            <a:off x="2058477" y="5136449"/>
+            <a:off x="2003417" y="5211682"/>
             <a:ext cx="2473569" cy="830997"/>
           </a:xfrm>
           <a:prstGeom prst="rect">
@@ -3715,7 +3712,7 @@
                 </a:solidFill>
                 <a:latin typeface="Chalkboard" panose="03050602040202020205" pitchFamily="66" charset="0"/>
               </a:rPr>
-              <a:t>S = 0.01 (positive)</a:t>
+              <a:t>S = +0.01 (positive)</a:t>
             </a:r>
             <a:endParaRPr lang="en-US" sz="1600" i="0" u="none" strike="noStrike" dirty="0">
               <a:effectLst/>
@@ -3773,8 +3770,8 @@
         </p:blipFill>
         <p:spPr>
           <a:xfrm>
-            <a:off x="6449662" y="1552534"/>
-            <a:ext cx="5004275" cy="3289922"/>
+            <a:off x="6308985" y="1646318"/>
+            <a:ext cx="5144950" cy="3382405"/>
           </a:xfrm>
           <a:prstGeom prst="rect">
             <a:avLst/>
@@ -3808,8 +3805,8 @@
         </p:blipFill>
         <p:spPr>
           <a:xfrm>
-            <a:off x="738065" y="1552534"/>
-            <a:ext cx="5004274" cy="3289922"/>
+            <a:off x="656003" y="1646318"/>
+            <a:ext cx="5144949" cy="3382405"/>
           </a:xfrm>
           <a:prstGeom prst="rect">
             <a:avLst/>
@@ -3835,7 +3832,7 @@
         </p:nvSpPr>
         <p:spPr>
           <a:xfrm>
-            <a:off x="7715014" y="5136449"/>
+            <a:off x="7715014" y="5230234"/>
             <a:ext cx="2473569" cy="830997"/>
           </a:xfrm>
           <a:prstGeom prst="rect">
@@ -3897,6 +3894,2012 @@
     <p:extLst>
       <p:ext uri="{BB962C8B-B14F-4D97-AF65-F5344CB8AC3E}">
         <p14:creationId xmlns:p14="http://schemas.microsoft.com/office/powerpoint/2010/main" val="2759423914"/>
+      </p:ext>
+    </p:extLst>
+  </p:cSld>
+  <p:clrMapOvr>
+    <a:masterClrMapping/>
+  </p:clrMapOvr>
+</p:sld>
+</file>
+
+<file path=ppt/slides/slide11.xml><?xml version="1.0" encoding="utf-8"?>
+<p:sld xmlns:a="http://schemas.openxmlformats.org/drawingml/2006/main" xmlns:r="http://schemas.openxmlformats.org/officeDocument/2006/relationships" xmlns:p="http://schemas.openxmlformats.org/presentationml/2006/main">
+  <p:cSld>
+    <p:spTree>
+      <p:nvGrpSpPr>
+        <p:cNvPr id="1" name=""/>
+        <p:cNvGrpSpPr/>
+        <p:nvPr/>
+      </p:nvGrpSpPr>
+      <p:grpSpPr>
+        <a:xfrm>
+          <a:off x="0" y="0"/>
+          <a:ext cx="0" cy="0"/>
+          <a:chOff x="0" y="0"/>
+          <a:chExt cx="0" cy="0"/>
+        </a:xfrm>
+      </p:grpSpPr>
+      <p:sp>
+        <p:nvSpPr>
+          <p:cNvPr id="2" name="Заголовок 1">
+            <a:extLst>
+              <a:ext uri="{FF2B5EF4-FFF2-40B4-BE49-F238E27FC236}">
+                <a16:creationId xmlns:a16="http://schemas.microsoft.com/office/drawing/2014/main" id="{4EBECC91-E846-795A-D73D-EEABF1080051}"/>
+              </a:ext>
+            </a:extLst>
+          </p:cNvPr>
+          <p:cNvSpPr>
+            <a:spLocks noGrp="1"/>
+          </p:cNvSpPr>
+          <p:nvPr>
+            <p:ph type="title"/>
+          </p:nvPr>
+        </p:nvSpPr>
+        <p:spPr>
+          <a:xfrm>
+            <a:off x="1058007" y="212725"/>
+            <a:ext cx="10075985" cy="959583"/>
+          </a:xfrm>
+        </p:spPr>
+        <p:txBody>
+          <a:bodyPr>
+            <a:normAutofit/>
+          </a:bodyPr>
+          <a:lstStyle/>
+          <a:p>
+            <a:pPr algn="ctr"/>
+            <a:r>
+              <a:rPr lang="en-GB" sz="3500" dirty="0">
+                <a:solidFill>
+                  <a:srgbClr val="0E1BDD"/>
+                </a:solidFill>
+                <a:latin typeface="Chalkboard" panose="03050602040202020205" pitchFamily="66" charset="0"/>
+              </a:rPr>
+              <a:t>Clonal Interference </a:t>
+            </a:r>
+            <a:endParaRPr lang="ru-RU" sz="3500" dirty="0">
+              <a:solidFill>
+                <a:srgbClr val="0E1BDD"/>
+              </a:solidFill>
+            </a:endParaRPr>
+          </a:p>
+        </p:txBody>
+      </p:sp>
+      <p:pic>
+        <p:nvPicPr>
+          <p:cNvPr id="4" name="Рисунок 3" descr="Изображение выглядит как текст, снимок экрана, линия, График&#10;&#10;Автоматически созданное описание">
+            <a:extLst>
+              <a:ext uri="{FF2B5EF4-FFF2-40B4-BE49-F238E27FC236}">
+                <a16:creationId xmlns:a16="http://schemas.microsoft.com/office/drawing/2014/main" id="{5E5888E7-4948-044D-6545-FEFB36643312}"/>
+              </a:ext>
+            </a:extLst>
+          </p:cNvPr>
+          <p:cNvPicPr>
+            <a:picLocks noChangeAspect="1"/>
+          </p:cNvPicPr>
+          <p:nvPr/>
+        </p:nvPicPr>
+        <p:blipFill>
+          <a:blip r:embed="rId2"/>
+          <a:stretch>
+            <a:fillRect/>
+          </a:stretch>
+        </p:blipFill>
+        <p:spPr>
+          <a:xfrm>
+            <a:off x="1966546" y="2747877"/>
+            <a:ext cx="8015653" cy="3621421"/>
+          </a:xfrm>
+          <a:prstGeom prst="rect">
+            <a:avLst/>
+          </a:prstGeom>
+          <a:ln>
+            <a:solidFill>
+              <a:srgbClr val="0E1BDD"/>
+            </a:solidFill>
+          </a:ln>
+        </p:spPr>
+      </p:pic>
+      <p:sp>
+        <p:nvSpPr>
+          <p:cNvPr id="5" name="Овал 4">
+            <a:extLst>
+              <a:ext uri="{FF2B5EF4-FFF2-40B4-BE49-F238E27FC236}">
+                <a16:creationId xmlns:a16="http://schemas.microsoft.com/office/drawing/2014/main" id="{7293BEE9-12D3-13F7-AA97-D8A6A5DD4A28}"/>
+              </a:ext>
+            </a:extLst>
+          </p:cNvPr>
+          <p:cNvSpPr/>
+          <p:nvPr/>
+        </p:nvSpPr>
+        <p:spPr>
+          <a:xfrm>
+            <a:off x="1966546" y="1314422"/>
+            <a:ext cx="2028092" cy="1043354"/>
+          </a:xfrm>
+          <a:prstGeom prst="ellipse">
+            <a:avLst/>
+          </a:prstGeom>
+          <a:solidFill>
+            <a:schemeClr val="bg1"/>
+          </a:solidFill>
+        </p:spPr>
+        <p:style>
+          <a:lnRef idx="2">
+            <a:schemeClr val="accent1">
+              <a:shade val="15000"/>
+            </a:schemeClr>
+          </a:lnRef>
+          <a:fillRef idx="1">
+            <a:schemeClr val="accent1"/>
+          </a:fillRef>
+          <a:effectRef idx="0">
+            <a:schemeClr val="accent1"/>
+          </a:effectRef>
+          <a:fontRef idx="minor">
+            <a:schemeClr val="lt1"/>
+          </a:fontRef>
+        </p:style>
+        <p:txBody>
+          <a:bodyPr rtlCol="0" anchor="ctr"/>
+          <a:lstStyle/>
+          <a:p>
+            <a:pPr algn="ctr"/>
+            <a:endParaRPr lang="ru-RU" dirty="0"/>
+          </a:p>
+        </p:txBody>
+      </p:sp>
+      <p:sp>
+        <p:nvSpPr>
+          <p:cNvPr id="8" name="TextBox 7">
+            <a:extLst>
+              <a:ext uri="{FF2B5EF4-FFF2-40B4-BE49-F238E27FC236}">
+                <a16:creationId xmlns:a16="http://schemas.microsoft.com/office/drawing/2014/main" id="{770B26A6-2AFD-DC60-A5F3-59DAB3A21656}"/>
+              </a:ext>
+            </a:extLst>
+          </p:cNvPr>
+          <p:cNvSpPr txBox="1"/>
+          <p:nvPr/>
+        </p:nvSpPr>
+        <p:spPr>
+          <a:xfrm>
+            <a:off x="2315307" y="1443684"/>
+            <a:ext cx="1330569" cy="784830"/>
+          </a:xfrm>
+          <a:prstGeom prst="rect">
+            <a:avLst/>
+          </a:prstGeom>
+          <a:noFill/>
+        </p:spPr>
+        <p:txBody>
+          <a:bodyPr wrap="square">
+            <a:spAutoFit/>
+          </a:bodyPr>
+          <a:lstStyle/>
+          <a:p>
+            <a:pPr algn="ctr"/>
+            <a:r>
+              <a:rPr lang="en-US" sz="1500" dirty="0">
+                <a:solidFill>
+                  <a:srgbClr val="00F85A"/>
+                </a:solidFill>
+                <a:latin typeface="Chalkboard" panose="03050602040202020205" pitchFamily="66" charset="0"/>
+              </a:rPr>
+              <a:t>Allele A : </a:t>
+            </a:r>
+          </a:p>
+          <a:p>
+            <a:pPr algn="ctr"/>
+            <a:r>
+              <a:rPr lang="en-US" sz="1500" dirty="0">
+                <a:latin typeface="Chalkboard" panose="03050602040202020205" pitchFamily="66" charset="0"/>
+              </a:rPr>
+              <a:t>p(A) = 0.79, </a:t>
+            </a:r>
+          </a:p>
+          <a:p>
+            <a:pPr algn="ctr"/>
+            <a:r>
+              <a:rPr lang="en-US" sz="1500" dirty="0">
+                <a:latin typeface="Chalkboard" panose="03050602040202020205" pitchFamily="66" charset="0"/>
+              </a:rPr>
+              <a:t>fitness = 1 </a:t>
+            </a:r>
+          </a:p>
+        </p:txBody>
+      </p:sp>
+      <p:sp>
+        <p:nvSpPr>
+          <p:cNvPr id="9" name="Овал 8">
+            <a:extLst>
+              <a:ext uri="{FF2B5EF4-FFF2-40B4-BE49-F238E27FC236}">
+                <a16:creationId xmlns:a16="http://schemas.microsoft.com/office/drawing/2014/main" id="{16435FFF-3B8F-501D-AE88-E2BAFDE2553E}"/>
+              </a:ext>
+            </a:extLst>
+          </p:cNvPr>
+          <p:cNvSpPr/>
+          <p:nvPr/>
+        </p:nvSpPr>
+        <p:spPr>
+          <a:xfrm>
+            <a:off x="4960326" y="1291338"/>
+            <a:ext cx="2028092" cy="1043354"/>
+          </a:xfrm>
+          <a:prstGeom prst="ellipse">
+            <a:avLst/>
+          </a:prstGeom>
+          <a:solidFill>
+            <a:schemeClr val="bg1"/>
+          </a:solidFill>
+        </p:spPr>
+        <p:style>
+          <a:lnRef idx="2">
+            <a:schemeClr val="accent1">
+              <a:shade val="15000"/>
+            </a:schemeClr>
+          </a:lnRef>
+          <a:fillRef idx="1">
+            <a:schemeClr val="accent1"/>
+          </a:fillRef>
+          <a:effectRef idx="0">
+            <a:schemeClr val="accent1"/>
+          </a:effectRef>
+          <a:fontRef idx="minor">
+            <a:schemeClr val="lt1"/>
+          </a:fontRef>
+        </p:style>
+        <p:txBody>
+          <a:bodyPr rtlCol="0" anchor="ctr"/>
+          <a:lstStyle/>
+          <a:p>
+            <a:pPr algn="ctr"/>
+            <a:endParaRPr lang="ru-RU" dirty="0"/>
+          </a:p>
+        </p:txBody>
+      </p:sp>
+      <p:sp>
+        <p:nvSpPr>
+          <p:cNvPr id="11" name="TextBox 10">
+            <a:extLst>
+              <a:ext uri="{FF2B5EF4-FFF2-40B4-BE49-F238E27FC236}">
+                <a16:creationId xmlns:a16="http://schemas.microsoft.com/office/drawing/2014/main" id="{6163E702-EC57-63F5-D774-BC353D7963F3}"/>
+              </a:ext>
+            </a:extLst>
+          </p:cNvPr>
+          <p:cNvSpPr txBox="1"/>
+          <p:nvPr/>
+        </p:nvSpPr>
+        <p:spPr>
+          <a:xfrm>
+            <a:off x="5199184" y="1420600"/>
+            <a:ext cx="1550376" cy="784830"/>
+          </a:xfrm>
+          <a:prstGeom prst="rect">
+            <a:avLst/>
+          </a:prstGeom>
+          <a:noFill/>
+        </p:spPr>
+        <p:txBody>
+          <a:bodyPr wrap="square">
+            <a:spAutoFit/>
+          </a:bodyPr>
+          <a:lstStyle/>
+          <a:p>
+            <a:pPr algn="ctr"/>
+            <a:r>
+              <a:rPr lang="en-US" sz="1500" dirty="0">
+                <a:solidFill>
+                  <a:srgbClr val="0E1BDD"/>
+                </a:solidFill>
+                <a:latin typeface="Chalkboard" panose="03050602040202020205" pitchFamily="66" charset="0"/>
+              </a:rPr>
+              <a:t>Allele B </a:t>
+            </a:r>
+            <a:r>
+              <a:rPr lang="en-US" sz="1500" dirty="0">
+                <a:latin typeface="Chalkboard" panose="03050602040202020205" pitchFamily="66" charset="0"/>
+              </a:rPr>
+              <a:t>:</a:t>
+            </a:r>
+          </a:p>
+          <a:p>
+            <a:pPr algn="ctr"/>
+            <a:r>
+              <a:rPr lang="en-US" sz="1500" dirty="0">
+                <a:latin typeface="Chalkboard" panose="03050602040202020205" pitchFamily="66" charset="0"/>
+              </a:rPr>
+              <a:t>p(B) = 0.2, fitness = 1.05 </a:t>
+            </a:r>
+          </a:p>
+        </p:txBody>
+      </p:sp>
+      <p:sp>
+        <p:nvSpPr>
+          <p:cNvPr id="13" name="Овал 12">
+            <a:extLst>
+              <a:ext uri="{FF2B5EF4-FFF2-40B4-BE49-F238E27FC236}">
+                <a16:creationId xmlns:a16="http://schemas.microsoft.com/office/drawing/2014/main" id="{2850CE06-1D52-392F-8929-2F19070F037B}"/>
+              </a:ext>
+            </a:extLst>
+          </p:cNvPr>
+          <p:cNvSpPr/>
+          <p:nvPr/>
+        </p:nvSpPr>
+        <p:spPr>
+          <a:xfrm>
+            <a:off x="7954107" y="1326968"/>
+            <a:ext cx="2028092" cy="1043354"/>
+          </a:xfrm>
+          <a:prstGeom prst="ellipse">
+            <a:avLst/>
+          </a:prstGeom>
+          <a:solidFill>
+            <a:schemeClr val="bg1"/>
+          </a:solidFill>
+        </p:spPr>
+        <p:style>
+          <a:lnRef idx="2">
+            <a:schemeClr val="accent1">
+              <a:shade val="15000"/>
+            </a:schemeClr>
+          </a:lnRef>
+          <a:fillRef idx="1">
+            <a:schemeClr val="accent1"/>
+          </a:fillRef>
+          <a:effectRef idx="0">
+            <a:schemeClr val="accent1"/>
+          </a:effectRef>
+          <a:fontRef idx="minor">
+            <a:schemeClr val="lt1"/>
+          </a:fontRef>
+        </p:style>
+        <p:txBody>
+          <a:bodyPr rtlCol="0" anchor="ctr"/>
+          <a:lstStyle/>
+          <a:p>
+            <a:pPr algn="ctr"/>
+            <a:endParaRPr lang="ru-RU" dirty="0"/>
+          </a:p>
+        </p:txBody>
+      </p:sp>
+      <p:sp>
+        <p:nvSpPr>
+          <p:cNvPr id="6" name="TextBox 5">
+            <a:extLst>
+              <a:ext uri="{FF2B5EF4-FFF2-40B4-BE49-F238E27FC236}">
+                <a16:creationId xmlns:a16="http://schemas.microsoft.com/office/drawing/2014/main" id="{C3C2804F-5885-6ED2-8215-4DEBA3D292D9}"/>
+              </a:ext>
+            </a:extLst>
+          </p:cNvPr>
+          <p:cNvSpPr txBox="1"/>
+          <p:nvPr/>
+        </p:nvSpPr>
+        <p:spPr>
+          <a:xfrm>
+            <a:off x="8271481" y="1433146"/>
+            <a:ext cx="1393343" cy="830997"/>
+          </a:xfrm>
+          <a:prstGeom prst="rect">
+            <a:avLst/>
+          </a:prstGeom>
+          <a:noFill/>
+        </p:spPr>
+        <p:txBody>
+          <a:bodyPr wrap="square">
+            <a:spAutoFit/>
+          </a:bodyPr>
+          <a:lstStyle/>
+          <a:p>
+            <a:pPr algn="ctr"/>
+            <a:r>
+              <a:rPr lang="en-US" sz="1600" dirty="0">
+                <a:solidFill>
+                  <a:srgbClr val="FF00A9"/>
+                </a:solidFill>
+                <a:latin typeface="Chalkboard" panose="03050602040202020205" pitchFamily="66" charset="0"/>
+              </a:rPr>
+              <a:t>Allele C </a:t>
+            </a:r>
+            <a:r>
+              <a:rPr lang="en-US" sz="1600" dirty="0">
+                <a:latin typeface="Chalkboard" panose="03050602040202020205" pitchFamily="66" charset="0"/>
+              </a:rPr>
+              <a:t>: </a:t>
+            </a:r>
+          </a:p>
+          <a:p>
+            <a:pPr algn="ctr"/>
+            <a:r>
+              <a:rPr lang="en-US" sz="1600" dirty="0">
+                <a:latin typeface="Chalkboard" panose="03050602040202020205" pitchFamily="66" charset="0"/>
+              </a:rPr>
+              <a:t>p(C) = 0.01, </a:t>
+            </a:r>
+          </a:p>
+          <a:p>
+            <a:pPr algn="ctr"/>
+            <a:r>
+              <a:rPr lang="en-US" sz="1600" dirty="0">
+                <a:latin typeface="Chalkboard" panose="03050602040202020205" pitchFamily="66" charset="0"/>
+              </a:rPr>
+              <a:t>fitness = 1.1 </a:t>
+            </a:r>
+          </a:p>
+        </p:txBody>
+      </p:sp>
+    </p:spTree>
+    <p:extLst>
+      <p:ext uri="{BB962C8B-B14F-4D97-AF65-F5344CB8AC3E}">
+        <p14:creationId xmlns:p14="http://schemas.microsoft.com/office/powerpoint/2010/main" val="2838772022"/>
+      </p:ext>
+    </p:extLst>
+  </p:cSld>
+  <p:clrMapOvr>
+    <a:masterClrMapping/>
+  </p:clrMapOvr>
+</p:sld>
+</file>
+
+<file path=ppt/slides/slide12.xml><?xml version="1.0" encoding="utf-8"?>
+<p:sld xmlns:a="http://schemas.openxmlformats.org/drawingml/2006/main" xmlns:r="http://schemas.openxmlformats.org/officeDocument/2006/relationships" xmlns:p="http://schemas.openxmlformats.org/presentationml/2006/main">
+  <p:cSld>
+    <p:spTree>
+      <p:nvGrpSpPr>
+        <p:cNvPr id="1" name=""/>
+        <p:cNvGrpSpPr/>
+        <p:nvPr/>
+      </p:nvGrpSpPr>
+      <p:grpSpPr>
+        <a:xfrm>
+          <a:off x="0" y="0"/>
+          <a:ext cx="0" cy="0"/>
+          <a:chOff x="0" y="0"/>
+          <a:chExt cx="0" cy="0"/>
+        </a:xfrm>
+      </p:grpSpPr>
+      <p:sp>
+        <p:nvSpPr>
+          <p:cNvPr id="2" name="Заголовок 1">
+            <a:extLst>
+              <a:ext uri="{FF2B5EF4-FFF2-40B4-BE49-F238E27FC236}">
+                <a16:creationId xmlns:a16="http://schemas.microsoft.com/office/drawing/2014/main" id="{4EBECC91-E846-795A-D73D-EEABF1080051}"/>
+              </a:ext>
+            </a:extLst>
+          </p:cNvPr>
+          <p:cNvSpPr>
+            <a:spLocks noGrp="1"/>
+          </p:cNvSpPr>
+          <p:nvPr>
+            <p:ph type="title"/>
+          </p:nvPr>
+        </p:nvSpPr>
+        <p:spPr>
+          <a:xfrm>
+            <a:off x="1058007" y="212725"/>
+            <a:ext cx="10075985" cy="959583"/>
+          </a:xfrm>
+        </p:spPr>
+        <p:txBody>
+          <a:bodyPr>
+            <a:normAutofit/>
+          </a:bodyPr>
+          <a:lstStyle/>
+          <a:p>
+            <a:pPr algn="ctr"/>
+            <a:r>
+              <a:rPr lang="en-GB" sz="3500" dirty="0">
+                <a:solidFill>
+                  <a:srgbClr val="0E1BDD"/>
+                </a:solidFill>
+                <a:latin typeface="Chalkboard" panose="03050602040202020205" pitchFamily="66" charset="0"/>
+              </a:rPr>
+              <a:t>Population structure</a:t>
+            </a:r>
+            <a:endParaRPr lang="ru-RU" sz="3500" dirty="0">
+              <a:solidFill>
+                <a:srgbClr val="0E1BDD"/>
+              </a:solidFill>
+            </a:endParaRPr>
+          </a:p>
+        </p:txBody>
+      </p:sp>
+      <p:pic>
+        <p:nvPicPr>
+          <p:cNvPr id="7" name="Рисунок 6" descr="Изображение выглядит как текст, снимок экрана, линия, График&#10;&#10;Автоматически созданное описание">
+            <a:extLst>
+              <a:ext uri="{FF2B5EF4-FFF2-40B4-BE49-F238E27FC236}">
+                <a16:creationId xmlns:a16="http://schemas.microsoft.com/office/drawing/2014/main" id="{6AA35063-2D7D-9690-5E07-6201E700FB09}"/>
+              </a:ext>
+            </a:extLst>
+          </p:cNvPr>
+          <p:cNvPicPr>
+            <a:picLocks noChangeAspect="1"/>
+          </p:cNvPicPr>
+          <p:nvPr/>
+        </p:nvPicPr>
+        <p:blipFill>
+          <a:blip r:embed="rId2"/>
+          <a:stretch>
+            <a:fillRect/>
+          </a:stretch>
+        </p:blipFill>
+        <p:spPr>
+          <a:xfrm>
+            <a:off x="5484085" y="1359877"/>
+            <a:ext cx="5970491" cy="3717650"/>
+          </a:xfrm>
+          <a:prstGeom prst="rect">
+            <a:avLst/>
+          </a:prstGeom>
+          <a:ln>
+            <a:solidFill>
+              <a:srgbClr val="0E1BDD"/>
+            </a:solidFill>
+          </a:ln>
+        </p:spPr>
+      </p:pic>
+      <p:sp>
+        <p:nvSpPr>
+          <p:cNvPr id="10" name="TextBox 9">
+            <a:extLst>
+              <a:ext uri="{FF2B5EF4-FFF2-40B4-BE49-F238E27FC236}">
+                <a16:creationId xmlns:a16="http://schemas.microsoft.com/office/drawing/2014/main" id="{AE616868-F505-1C35-8EF5-65849E8AFA74}"/>
+              </a:ext>
+            </a:extLst>
+          </p:cNvPr>
+          <p:cNvSpPr txBox="1"/>
+          <p:nvPr/>
+        </p:nvSpPr>
+        <p:spPr>
+          <a:xfrm>
+            <a:off x="6182742" y="5265096"/>
+            <a:ext cx="4573175" cy="1077218"/>
+          </a:xfrm>
+          <a:prstGeom prst="rect">
+            <a:avLst/>
+          </a:prstGeom>
+          <a:noFill/>
+        </p:spPr>
+        <p:txBody>
+          <a:bodyPr wrap="none" rtlCol="0">
+            <a:spAutoFit/>
+          </a:bodyPr>
+          <a:lstStyle/>
+          <a:p>
+            <a:pPr algn="ctr"/>
+            <a:r>
+              <a:rPr lang="en-US" sz="1600" dirty="0">
+                <a:solidFill>
+                  <a:srgbClr val="0E1BDD"/>
+                </a:solidFill>
+                <a:latin typeface="Chalkboard" panose="03050602040202020205" pitchFamily="66" charset="0"/>
+              </a:rPr>
+              <a:t>T</a:t>
+            </a:r>
+            <a:r>
+              <a:rPr lang="en-US" sz="1600" dirty="0">
+                <a:latin typeface="Chalkboard" panose="03050602040202020205" pitchFamily="66" charset="0"/>
+              </a:rPr>
+              <a:t> = 1000 generations</a:t>
+            </a:r>
+            <a:endParaRPr lang="en-US" sz="1600" dirty="0">
+              <a:solidFill>
+                <a:srgbClr val="0E1BDD"/>
+              </a:solidFill>
+              <a:latin typeface="Chalkboard" panose="03050602040202020205" pitchFamily="66" charset="0"/>
+            </a:endParaRPr>
+          </a:p>
+          <a:p>
+            <a:pPr algn="ctr"/>
+            <a:r>
+              <a:rPr lang="en-US" sz="1600" dirty="0">
+                <a:solidFill>
+                  <a:srgbClr val="0E1BDD"/>
+                </a:solidFill>
+                <a:latin typeface="Chalkboard" panose="03050602040202020205" pitchFamily="66" charset="0"/>
+              </a:rPr>
+              <a:t>Population size </a:t>
+            </a:r>
+            <a:r>
+              <a:rPr lang="en-US" sz="1600" dirty="0">
+                <a:latin typeface="Chalkboard" panose="03050602040202020205" pitchFamily="66" charset="0"/>
+              </a:rPr>
+              <a:t>= 1000 individuals</a:t>
+            </a:r>
+          </a:p>
+          <a:p>
+            <a:pPr algn="ctr"/>
+            <a:r>
+              <a:rPr lang="en-US" sz="1600" dirty="0">
+                <a:solidFill>
+                  <a:srgbClr val="0E1BDD"/>
+                </a:solidFill>
+                <a:latin typeface="Chalkboard" panose="03050602040202020205" pitchFamily="66" charset="0"/>
+              </a:rPr>
+              <a:t>Sub-population size </a:t>
+            </a:r>
+            <a:r>
+              <a:rPr lang="en-US" sz="1600" dirty="0">
+                <a:latin typeface="Chalkboard" panose="03050602040202020205" pitchFamily="66" charset="0"/>
+              </a:rPr>
+              <a:t>= 100 individuals</a:t>
+            </a:r>
+          </a:p>
+          <a:p>
+            <a:pPr algn="ctr"/>
+            <a:r>
+              <a:rPr lang="en-US" sz="1600" dirty="0">
+                <a:solidFill>
+                  <a:srgbClr val="0E1BDD"/>
+                </a:solidFill>
+                <a:latin typeface="Chalkboard" panose="03050602040202020205" pitchFamily="66" charset="0"/>
+              </a:rPr>
+              <a:t>Initial frequency </a:t>
+            </a:r>
+            <a:r>
+              <a:rPr lang="en-US" sz="1600" dirty="0">
+                <a:latin typeface="Chalkboard" panose="03050602040202020205" pitchFamily="66" charset="0"/>
+              </a:rPr>
+              <a:t>= 0.5 for both alleles A and B</a:t>
+            </a:r>
+            <a:endParaRPr lang="ru-RU" sz="1600" dirty="0"/>
+          </a:p>
+        </p:txBody>
+      </p:sp>
+      <p:sp>
+        <p:nvSpPr>
+          <p:cNvPr id="12" name="TextBox 11">
+            <a:extLst>
+              <a:ext uri="{FF2B5EF4-FFF2-40B4-BE49-F238E27FC236}">
+                <a16:creationId xmlns:a16="http://schemas.microsoft.com/office/drawing/2014/main" id="{8C84CAFE-CA94-3643-1132-27A5898D4B3B}"/>
+              </a:ext>
+            </a:extLst>
+          </p:cNvPr>
+          <p:cNvSpPr txBox="1"/>
+          <p:nvPr/>
+        </p:nvSpPr>
+        <p:spPr>
+          <a:xfrm>
+            <a:off x="921209" y="1652954"/>
+            <a:ext cx="4005199" cy="923330"/>
+          </a:xfrm>
+          <a:prstGeom prst="rect">
+            <a:avLst/>
+          </a:prstGeom>
+          <a:noFill/>
+        </p:spPr>
+        <p:txBody>
+          <a:bodyPr wrap="none" rtlCol="0">
+            <a:spAutoFit/>
+          </a:bodyPr>
+          <a:lstStyle/>
+          <a:p>
+            <a:pPr algn="ctr"/>
+            <a:r>
+              <a:rPr lang="en-US" dirty="0">
+                <a:solidFill>
+                  <a:srgbClr val="0E1BDD"/>
+                </a:solidFill>
+                <a:latin typeface="Chalkboard" panose="03050602040202020205" pitchFamily="66" charset="0"/>
+              </a:rPr>
+              <a:t>1 population </a:t>
+            </a:r>
+            <a:r>
+              <a:rPr lang="en-US" dirty="0">
+                <a:latin typeface="Chalkboard" panose="03050602040202020205" pitchFamily="66" charset="0"/>
+              </a:rPr>
+              <a:t>-&gt;</a:t>
+            </a:r>
+          </a:p>
+          <a:p>
+            <a:pPr algn="ctr"/>
+            <a:r>
+              <a:rPr lang="en-US" dirty="0">
+                <a:latin typeface="Chalkboard" panose="03050602040202020205" pitchFamily="66" charset="0"/>
+              </a:rPr>
+              <a:t> </a:t>
+            </a:r>
+            <a:r>
+              <a:rPr lang="en-US" dirty="0">
+                <a:solidFill>
+                  <a:srgbClr val="FF0000"/>
+                </a:solidFill>
+                <a:latin typeface="Chalkboard" panose="03050602040202020205" pitchFamily="66" charset="0"/>
+              </a:rPr>
+              <a:t>10 independent sub-populations </a:t>
+            </a:r>
+          </a:p>
+          <a:p>
+            <a:pPr algn="ctr"/>
+            <a:r>
+              <a:rPr lang="en-US" dirty="0">
+                <a:latin typeface="Chalkboard" panose="03050602040202020205" pitchFamily="66" charset="0"/>
+              </a:rPr>
+              <a:t>with the same number of individuals</a:t>
+            </a:r>
+            <a:endParaRPr lang="ru-RU" dirty="0"/>
+          </a:p>
+        </p:txBody>
+      </p:sp>
+      <p:sp>
+        <p:nvSpPr>
+          <p:cNvPr id="14" name="TextBox 13">
+            <a:extLst>
+              <a:ext uri="{FF2B5EF4-FFF2-40B4-BE49-F238E27FC236}">
+                <a16:creationId xmlns:a16="http://schemas.microsoft.com/office/drawing/2014/main" id="{D8EEF555-D809-C853-D2FC-25C6EAEC3D04}"/>
+              </a:ext>
+            </a:extLst>
+          </p:cNvPr>
+          <p:cNvSpPr txBox="1"/>
+          <p:nvPr/>
+        </p:nvSpPr>
+        <p:spPr>
+          <a:xfrm>
+            <a:off x="1946031" y="2757037"/>
+            <a:ext cx="1776640" cy="923330"/>
+          </a:xfrm>
+          <a:prstGeom prst="rect">
+            <a:avLst/>
+          </a:prstGeom>
+          <a:noFill/>
+        </p:spPr>
+        <p:txBody>
+          <a:bodyPr wrap="none" rtlCol="0">
+            <a:spAutoFit/>
+          </a:bodyPr>
+          <a:lstStyle/>
+          <a:p>
+            <a:pPr marL="285750" indent="-285750">
+              <a:buFont typeface="Arial" panose="020B0604020202020204" pitchFamily="34" charset="0"/>
+              <a:buChar char="•"/>
+            </a:pPr>
+            <a:r>
+              <a:rPr lang="en-US" dirty="0">
+                <a:latin typeface="Chalkboard" panose="03050602040202020205" pitchFamily="66" charset="0"/>
+              </a:rPr>
+              <a:t>No selection</a:t>
+            </a:r>
+          </a:p>
+          <a:p>
+            <a:pPr marL="285750" indent="-285750">
+              <a:buFont typeface="Arial" panose="020B0604020202020204" pitchFamily="34" charset="0"/>
+              <a:buChar char="•"/>
+            </a:pPr>
+            <a:r>
+              <a:rPr lang="en-US" dirty="0">
+                <a:latin typeface="Chalkboard" panose="03050602040202020205" pitchFamily="66" charset="0"/>
+              </a:rPr>
+              <a:t>No mutation</a:t>
+            </a:r>
+          </a:p>
+          <a:p>
+            <a:pPr marL="285750" indent="-285750">
+              <a:buFont typeface="Arial" panose="020B0604020202020204" pitchFamily="34" charset="0"/>
+              <a:buChar char="•"/>
+            </a:pPr>
+            <a:r>
+              <a:rPr lang="en-US" dirty="0">
+                <a:latin typeface="Chalkboard" panose="03050602040202020205" pitchFamily="66" charset="0"/>
+              </a:rPr>
+              <a:t>No migration</a:t>
+            </a:r>
+            <a:endParaRPr lang="ru-RU" dirty="0"/>
+          </a:p>
+        </p:txBody>
+      </p:sp>
+    </p:spTree>
+    <p:extLst>
+      <p:ext uri="{BB962C8B-B14F-4D97-AF65-F5344CB8AC3E}">
+        <p14:creationId xmlns:p14="http://schemas.microsoft.com/office/powerpoint/2010/main" val="464111799"/>
+      </p:ext>
+    </p:extLst>
+  </p:cSld>
+  <p:clrMapOvr>
+    <a:masterClrMapping/>
+  </p:clrMapOvr>
+</p:sld>
+</file>
+
+<file path=ppt/slides/slide13.xml><?xml version="1.0" encoding="utf-8"?>
+<p:sld xmlns:a="http://schemas.openxmlformats.org/drawingml/2006/main" xmlns:r="http://schemas.openxmlformats.org/officeDocument/2006/relationships" xmlns:p="http://schemas.openxmlformats.org/presentationml/2006/main">
+  <p:cSld>
+    <p:spTree>
+      <p:nvGrpSpPr>
+        <p:cNvPr id="1" name=""/>
+        <p:cNvGrpSpPr/>
+        <p:nvPr/>
+      </p:nvGrpSpPr>
+      <p:grpSpPr>
+        <a:xfrm>
+          <a:off x="0" y="0"/>
+          <a:ext cx="0" cy="0"/>
+          <a:chOff x="0" y="0"/>
+          <a:chExt cx="0" cy="0"/>
+        </a:xfrm>
+      </p:grpSpPr>
+      <p:sp>
+        <p:nvSpPr>
+          <p:cNvPr id="5" name="Прямоугольник 4">
+            <a:extLst>
+              <a:ext uri="{FF2B5EF4-FFF2-40B4-BE49-F238E27FC236}">
+                <a16:creationId xmlns:a16="http://schemas.microsoft.com/office/drawing/2014/main" id="{07567724-24C5-82E2-CC43-F1336AF545D2}"/>
+              </a:ext>
+            </a:extLst>
+          </p:cNvPr>
+          <p:cNvSpPr/>
+          <p:nvPr/>
+        </p:nvSpPr>
+        <p:spPr>
+          <a:xfrm>
+            <a:off x="590913" y="3930001"/>
+            <a:ext cx="4806463" cy="943200"/>
+          </a:xfrm>
+          <a:prstGeom prst="rect">
+            <a:avLst/>
+          </a:prstGeom>
+          <a:ln>
+            <a:solidFill>
+              <a:srgbClr val="0E1BDD"/>
+            </a:solidFill>
+          </a:ln>
+        </p:spPr>
+        <p:style>
+          <a:lnRef idx="2">
+            <a:schemeClr val="accent6"/>
+          </a:lnRef>
+          <a:fillRef idx="1">
+            <a:schemeClr val="lt1"/>
+          </a:fillRef>
+          <a:effectRef idx="0">
+            <a:schemeClr val="accent6"/>
+          </a:effectRef>
+          <a:fontRef idx="minor">
+            <a:schemeClr val="dk1"/>
+          </a:fontRef>
+        </p:style>
+        <p:txBody>
+          <a:bodyPr rtlCol="0" anchor="ctr"/>
+          <a:lstStyle/>
+          <a:p>
+            <a:pPr algn="ctr"/>
+            <a:endParaRPr lang="ru-RU" dirty="0"/>
+          </a:p>
+        </p:txBody>
+      </p:sp>
+      <p:sp>
+        <p:nvSpPr>
+          <p:cNvPr id="2" name="Заголовок 1">
+            <a:extLst>
+              <a:ext uri="{FF2B5EF4-FFF2-40B4-BE49-F238E27FC236}">
+                <a16:creationId xmlns:a16="http://schemas.microsoft.com/office/drawing/2014/main" id="{4EBECC91-E846-795A-D73D-EEABF1080051}"/>
+              </a:ext>
+            </a:extLst>
+          </p:cNvPr>
+          <p:cNvSpPr>
+            <a:spLocks noGrp="1"/>
+          </p:cNvSpPr>
+          <p:nvPr>
+            <p:ph type="title"/>
+          </p:nvPr>
+        </p:nvSpPr>
+        <p:spPr>
+          <a:xfrm>
+            <a:off x="1058007" y="212725"/>
+            <a:ext cx="10075985" cy="959583"/>
+          </a:xfrm>
+        </p:spPr>
+        <p:txBody>
+          <a:bodyPr>
+            <a:normAutofit/>
+          </a:bodyPr>
+          <a:lstStyle/>
+          <a:p>
+            <a:pPr algn="ctr"/>
+            <a:r>
+              <a:rPr lang="en-GB" sz="3500" dirty="0">
+                <a:solidFill>
+                  <a:srgbClr val="0E1BDD"/>
+                </a:solidFill>
+                <a:latin typeface="Chalkboard" panose="03050602040202020205" pitchFamily="66" charset="0"/>
+              </a:rPr>
+              <a:t>Population structure</a:t>
+            </a:r>
+            <a:endParaRPr lang="ru-RU" sz="3500" dirty="0">
+              <a:solidFill>
+                <a:srgbClr val="0E1BDD"/>
+              </a:solidFill>
+            </a:endParaRPr>
+          </a:p>
+        </p:txBody>
+      </p:sp>
+      <p:sp>
+        <p:nvSpPr>
+          <p:cNvPr id="10" name="TextBox 9">
+            <a:extLst>
+              <a:ext uri="{FF2B5EF4-FFF2-40B4-BE49-F238E27FC236}">
+                <a16:creationId xmlns:a16="http://schemas.microsoft.com/office/drawing/2014/main" id="{AE616868-F505-1C35-8EF5-65849E8AFA74}"/>
+              </a:ext>
+            </a:extLst>
+          </p:cNvPr>
+          <p:cNvSpPr txBox="1"/>
+          <p:nvPr/>
+        </p:nvSpPr>
+        <p:spPr>
+          <a:xfrm>
+            <a:off x="6975656" y="4989507"/>
+            <a:ext cx="3591111" cy="584775"/>
+          </a:xfrm>
+          <a:prstGeom prst="rect">
+            <a:avLst/>
+          </a:prstGeom>
+          <a:noFill/>
+        </p:spPr>
+        <p:txBody>
+          <a:bodyPr wrap="none" rtlCol="0">
+            <a:spAutoFit/>
+          </a:bodyPr>
+          <a:lstStyle/>
+          <a:p>
+            <a:pPr algn="ctr"/>
+            <a:r>
+              <a:rPr lang="en-US" sz="1600" dirty="0">
+                <a:solidFill>
+                  <a:srgbClr val="0E1BDD"/>
+                </a:solidFill>
+                <a:latin typeface="Chalkboard" panose="03050602040202020205" pitchFamily="66" charset="0"/>
+              </a:rPr>
+              <a:t>Population size </a:t>
+            </a:r>
+            <a:r>
+              <a:rPr lang="en-US" sz="1600" dirty="0">
+                <a:latin typeface="Chalkboard" panose="03050602040202020205" pitchFamily="66" charset="0"/>
+              </a:rPr>
+              <a:t>= 1000 individuals</a:t>
+            </a:r>
+          </a:p>
+          <a:p>
+            <a:pPr algn="ctr"/>
+            <a:r>
+              <a:rPr lang="en-US" sz="1600" dirty="0">
+                <a:solidFill>
+                  <a:srgbClr val="0E1BDD"/>
+                </a:solidFill>
+                <a:latin typeface="Chalkboard" panose="03050602040202020205" pitchFamily="66" charset="0"/>
+              </a:rPr>
+              <a:t>Sub-population size </a:t>
+            </a:r>
+            <a:r>
+              <a:rPr lang="en-US" sz="1600" dirty="0">
+                <a:latin typeface="Chalkboard" panose="03050602040202020205" pitchFamily="66" charset="0"/>
+              </a:rPr>
+              <a:t>= 100 individuals</a:t>
+            </a:r>
+          </a:p>
+        </p:txBody>
+      </p:sp>
+      <p:sp>
+        <p:nvSpPr>
+          <p:cNvPr id="12" name="TextBox 11">
+            <a:extLst>
+              <a:ext uri="{FF2B5EF4-FFF2-40B4-BE49-F238E27FC236}">
+                <a16:creationId xmlns:a16="http://schemas.microsoft.com/office/drawing/2014/main" id="{8C84CAFE-CA94-3643-1132-27A5898D4B3B}"/>
+              </a:ext>
+            </a:extLst>
+          </p:cNvPr>
+          <p:cNvSpPr txBox="1"/>
+          <p:nvPr/>
+        </p:nvSpPr>
+        <p:spPr>
+          <a:xfrm>
+            <a:off x="921209" y="1652954"/>
+            <a:ext cx="4005199" cy="923330"/>
+          </a:xfrm>
+          <a:prstGeom prst="rect">
+            <a:avLst/>
+          </a:prstGeom>
+          <a:noFill/>
+        </p:spPr>
+        <p:txBody>
+          <a:bodyPr wrap="none" rtlCol="0">
+            <a:spAutoFit/>
+          </a:bodyPr>
+          <a:lstStyle/>
+          <a:p>
+            <a:pPr algn="ctr"/>
+            <a:r>
+              <a:rPr lang="en-US" dirty="0">
+                <a:solidFill>
+                  <a:srgbClr val="0E1BDD"/>
+                </a:solidFill>
+                <a:latin typeface="Chalkboard" panose="03050602040202020205" pitchFamily="66" charset="0"/>
+              </a:rPr>
+              <a:t>1 population </a:t>
+            </a:r>
+            <a:r>
+              <a:rPr lang="en-US" dirty="0">
+                <a:latin typeface="Chalkboard" panose="03050602040202020205" pitchFamily="66" charset="0"/>
+              </a:rPr>
+              <a:t>-&gt;</a:t>
+            </a:r>
+          </a:p>
+          <a:p>
+            <a:pPr algn="ctr"/>
+            <a:r>
+              <a:rPr lang="en-US" dirty="0">
+                <a:latin typeface="Chalkboard" panose="03050602040202020205" pitchFamily="66" charset="0"/>
+              </a:rPr>
+              <a:t> </a:t>
+            </a:r>
+            <a:r>
+              <a:rPr lang="en-US" dirty="0">
+                <a:solidFill>
+                  <a:srgbClr val="FF0000"/>
+                </a:solidFill>
+                <a:latin typeface="Chalkboard" panose="03050602040202020205" pitchFamily="66" charset="0"/>
+              </a:rPr>
+              <a:t>10 independent sub-populations </a:t>
+            </a:r>
+          </a:p>
+          <a:p>
+            <a:pPr algn="ctr"/>
+            <a:r>
+              <a:rPr lang="en-US" dirty="0">
+                <a:latin typeface="Chalkboard" panose="03050602040202020205" pitchFamily="66" charset="0"/>
+              </a:rPr>
+              <a:t>with the same number of individuals</a:t>
+            </a:r>
+            <a:endParaRPr lang="ru-RU" dirty="0"/>
+          </a:p>
+        </p:txBody>
+      </p:sp>
+      <p:sp>
+        <p:nvSpPr>
+          <p:cNvPr id="14" name="TextBox 13">
+            <a:extLst>
+              <a:ext uri="{FF2B5EF4-FFF2-40B4-BE49-F238E27FC236}">
+                <a16:creationId xmlns:a16="http://schemas.microsoft.com/office/drawing/2014/main" id="{D8EEF555-D809-C853-D2FC-25C6EAEC3D04}"/>
+              </a:ext>
+            </a:extLst>
+          </p:cNvPr>
+          <p:cNvSpPr txBox="1"/>
+          <p:nvPr/>
+        </p:nvSpPr>
+        <p:spPr>
+          <a:xfrm>
+            <a:off x="1922585" y="2755497"/>
+            <a:ext cx="1776640" cy="923330"/>
+          </a:xfrm>
+          <a:prstGeom prst="rect">
+            <a:avLst/>
+          </a:prstGeom>
+          <a:noFill/>
+        </p:spPr>
+        <p:txBody>
+          <a:bodyPr wrap="none" rtlCol="0">
+            <a:spAutoFit/>
+          </a:bodyPr>
+          <a:lstStyle/>
+          <a:p>
+            <a:pPr marL="285750" indent="-285750">
+              <a:buFont typeface="Arial" panose="020B0604020202020204" pitchFamily="34" charset="0"/>
+              <a:buChar char="•"/>
+            </a:pPr>
+            <a:r>
+              <a:rPr lang="en-US" dirty="0">
+                <a:latin typeface="Chalkboard" panose="03050602040202020205" pitchFamily="66" charset="0"/>
+              </a:rPr>
+              <a:t>No selection</a:t>
+            </a:r>
+          </a:p>
+          <a:p>
+            <a:pPr marL="285750" indent="-285750">
+              <a:buFont typeface="Arial" panose="020B0604020202020204" pitchFamily="34" charset="0"/>
+              <a:buChar char="•"/>
+            </a:pPr>
+            <a:r>
+              <a:rPr lang="en-US" dirty="0">
+                <a:latin typeface="Chalkboard" panose="03050602040202020205" pitchFamily="66" charset="0"/>
+              </a:rPr>
+              <a:t>No mutation</a:t>
+            </a:r>
+          </a:p>
+          <a:p>
+            <a:pPr marL="285750" indent="-285750">
+              <a:buFont typeface="Arial" panose="020B0604020202020204" pitchFamily="34" charset="0"/>
+              <a:buChar char="•"/>
+            </a:pPr>
+            <a:r>
+              <a:rPr lang="en-US" dirty="0">
+                <a:latin typeface="Chalkboard" panose="03050602040202020205" pitchFamily="66" charset="0"/>
+              </a:rPr>
+              <a:t>No migration</a:t>
+            </a:r>
+            <a:endParaRPr lang="ru-RU" dirty="0"/>
+          </a:p>
+        </p:txBody>
+      </p:sp>
+      <p:pic>
+        <p:nvPicPr>
+          <p:cNvPr id="4" name="Рисунок 3" descr="Изображение выглядит как текст, снимок экрана, линия, График&#10;&#10;Автоматически созданное описание">
+            <a:extLst>
+              <a:ext uri="{FF2B5EF4-FFF2-40B4-BE49-F238E27FC236}">
+                <a16:creationId xmlns:a16="http://schemas.microsoft.com/office/drawing/2014/main" id="{B1B1906E-A2BE-6A6A-2AD3-AFE6AFC80007}"/>
+              </a:ext>
+            </a:extLst>
+          </p:cNvPr>
+          <p:cNvPicPr>
+            <a:picLocks noChangeAspect="1"/>
+          </p:cNvPicPr>
+          <p:nvPr/>
+        </p:nvPicPr>
+        <p:blipFill>
+          <a:blip r:embed="rId2"/>
+          <a:stretch>
+            <a:fillRect/>
+          </a:stretch>
+        </p:blipFill>
+        <p:spPr>
+          <a:xfrm>
+            <a:off x="5941338" y="1348154"/>
+            <a:ext cx="5659749" cy="3465507"/>
+          </a:xfrm>
+          <a:prstGeom prst="rect">
+            <a:avLst/>
+          </a:prstGeom>
+          <a:ln>
+            <a:solidFill>
+              <a:srgbClr val="00D9E5"/>
+            </a:solidFill>
+          </a:ln>
+        </p:spPr>
+      </p:pic>
+      <p:sp>
+        <p:nvSpPr>
+          <p:cNvPr id="6" name="TextBox 5">
+            <a:extLst>
+              <a:ext uri="{FF2B5EF4-FFF2-40B4-BE49-F238E27FC236}">
+                <a16:creationId xmlns:a16="http://schemas.microsoft.com/office/drawing/2014/main" id="{BA4F7AE2-32AE-ECD7-E2F1-C980AC74FC48}"/>
+              </a:ext>
+            </a:extLst>
+          </p:cNvPr>
+          <p:cNvSpPr txBox="1"/>
+          <p:nvPr/>
+        </p:nvSpPr>
+        <p:spPr>
+          <a:xfrm>
+            <a:off x="658871" y="4109214"/>
+            <a:ext cx="4670548" cy="584775"/>
+          </a:xfrm>
+          <a:prstGeom prst="rect">
+            <a:avLst/>
+          </a:prstGeom>
+          <a:noFill/>
+        </p:spPr>
+        <p:txBody>
+          <a:bodyPr wrap="square" rtlCol="0">
+            <a:spAutoFit/>
+          </a:bodyPr>
+          <a:lstStyle/>
+          <a:p>
+            <a:pPr algn="ctr"/>
+            <a:r>
+              <a:rPr lang="en-US" sz="1600" dirty="0">
+                <a:solidFill>
+                  <a:srgbClr val="0E1BDD"/>
+                </a:solidFill>
+                <a:latin typeface="Chalkboard" panose="03050602040202020205" pitchFamily="66" charset="0"/>
+              </a:rPr>
+              <a:t>Number of sub-populations with fixed A allele </a:t>
+            </a:r>
+            <a:r>
+              <a:rPr lang="ru-RU" sz="1600" b="0" i="0" u="none" strike="noStrike" dirty="0">
+                <a:solidFill>
+                  <a:srgbClr val="040C28"/>
+                </a:solidFill>
+                <a:effectLst/>
+                <a:latin typeface="Google Sans"/>
+              </a:rPr>
+              <a:t>≈</a:t>
+            </a:r>
+            <a:r>
+              <a:rPr lang="en-US" sz="1600" dirty="0">
+                <a:latin typeface="Chalkboard" panose="03050602040202020205" pitchFamily="66" charset="0"/>
+              </a:rPr>
+              <a:t> </a:t>
+            </a:r>
+          </a:p>
+          <a:p>
+            <a:pPr algn="ctr"/>
+            <a:r>
+              <a:rPr lang="en-US" sz="1600" dirty="0">
+                <a:latin typeface="Chalkboard" panose="03050602040202020205" pitchFamily="66" charset="0"/>
+              </a:rPr>
+              <a:t>10 * </a:t>
+            </a:r>
+            <a:r>
+              <a:rPr lang="en-US" sz="1600" dirty="0">
+                <a:solidFill>
+                  <a:srgbClr val="FF0000"/>
+                </a:solidFill>
+                <a:latin typeface="Chalkboard" panose="03050602040202020205" pitchFamily="66" charset="0"/>
+              </a:rPr>
+              <a:t>frequency</a:t>
+            </a:r>
+            <a:r>
+              <a:rPr lang="en-US" sz="1600" dirty="0">
+                <a:latin typeface="Chalkboard" panose="03050602040202020205" pitchFamily="66" charset="0"/>
+              </a:rPr>
+              <a:t> of allele A at time t = 0</a:t>
+            </a:r>
+            <a:endParaRPr lang="ru-RU" sz="1600" dirty="0"/>
+          </a:p>
+        </p:txBody>
+      </p:sp>
+    </p:spTree>
+    <p:extLst>
+      <p:ext uri="{BB962C8B-B14F-4D97-AF65-F5344CB8AC3E}">
+        <p14:creationId xmlns:p14="http://schemas.microsoft.com/office/powerpoint/2010/main" val="398671819"/>
+      </p:ext>
+    </p:extLst>
+  </p:cSld>
+  <p:clrMapOvr>
+    <a:masterClrMapping/>
+  </p:clrMapOvr>
+</p:sld>
+</file>
+
+<file path=ppt/slides/slide14.xml><?xml version="1.0" encoding="utf-8"?>
+<p:sld xmlns:a="http://schemas.openxmlformats.org/drawingml/2006/main" xmlns:r="http://schemas.openxmlformats.org/officeDocument/2006/relationships" xmlns:p="http://schemas.openxmlformats.org/presentationml/2006/main">
+  <p:cSld>
+    <p:spTree>
+      <p:nvGrpSpPr>
+        <p:cNvPr id="1" name=""/>
+        <p:cNvGrpSpPr/>
+        <p:nvPr/>
+      </p:nvGrpSpPr>
+      <p:grpSpPr>
+        <a:xfrm>
+          <a:off x="0" y="0"/>
+          <a:ext cx="0" cy="0"/>
+          <a:chOff x="0" y="0"/>
+          <a:chExt cx="0" cy="0"/>
+        </a:xfrm>
+      </p:grpSpPr>
+      <p:sp>
+        <p:nvSpPr>
+          <p:cNvPr id="2" name="Заголовок 1">
+            <a:extLst>
+              <a:ext uri="{FF2B5EF4-FFF2-40B4-BE49-F238E27FC236}">
+                <a16:creationId xmlns:a16="http://schemas.microsoft.com/office/drawing/2014/main" id="{4EBECC91-E846-795A-D73D-EEABF1080051}"/>
+              </a:ext>
+            </a:extLst>
+          </p:cNvPr>
+          <p:cNvSpPr>
+            <a:spLocks noGrp="1"/>
+          </p:cNvSpPr>
+          <p:nvPr>
+            <p:ph type="title"/>
+          </p:nvPr>
+        </p:nvSpPr>
+        <p:spPr>
+          <a:xfrm>
+            <a:off x="1058007" y="212725"/>
+            <a:ext cx="10075985" cy="959583"/>
+          </a:xfrm>
+        </p:spPr>
+        <p:txBody>
+          <a:bodyPr>
+            <a:normAutofit/>
+          </a:bodyPr>
+          <a:lstStyle/>
+          <a:p>
+            <a:pPr algn="ctr"/>
+            <a:r>
+              <a:rPr lang="en-GB" sz="3500" dirty="0">
+                <a:solidFill>
+                  <a:srgbClr val="0E1BDD"/>
+                </a:solidFill>
+                <a:latin typeface="Chalkboard" panose="03050602040202020205" pitchFamily="66" charset="0"/>
+              </a:rPr>
+              <a:t>Population structure</a:t>
+            </a:r>
+            <a:endParaRPr lang="ru-RU" sz="3500" dirty="0">
+              <a:solidFill>
+                <a:srgbClr val="0E1BDD"/>
+              </a:solidFill>
+            </a:endParaRPr>
+          </a:p>
+        </p:txBody>
+      </p:sp>
+      <p:pic>
+        <p:nvPicPr>
+          <p:cNvPr id="4" name="Рисунок 3" descr="Изображение выглядит как текст, снимок экрана, линия, График&#10;&#10;Автоматически созданное описание">
+            <a:extLst>
+              <a:ext uri="{FF2B5EF4-FFF2-40B4-BE49-F238E27FC236}">
+                <a16:creationId xmlns:a16="http://schemas.microsoft.com/office/drawing/2014/main" id="{B715490C-B307-819E-E35E-90554DFDBBD1}"/>
+              </a:ext>
+            </a:extLst>
+          </p:cNvPr>
+          <p:cNvPicPr>
+            <a:picLocks noChangeAspect="1"/>
+          </p:cNvPicPr>
+          <p:nvPr/>
+        </p:nvPicPr>
+        <p:blipFill>
+          <a:blip r:embed="rId2"/>
+          <a:stretch>
+            <a:fillRect/>
+          </a:stretch>
+        </p:blipFill>
+        <p:spPr>
+          <a:xfrm>
+            <a:off x="524983" y="1707657"/>
+            <a:ext cx="5729385" cy="3145697"/>
+          </a:xfrm>
+          <a:prstGeom prst="rect">
+            <a:avLst/>
+          </a:prstGeom>
+          <a:ln>
+            <a:solidFill>
+              <a:srgbClr val="00F85A"/>
+            </a:solidFill>
+          </a:ln>
+        </p:spPr>
+      </p:pic>
+      <p:sp>
+        <p:nvSpPr>
+          <p:cNvPr id="8" name="TextBox 7">
+            <a:extLst>
+              <a:ext uri="{FF2B5EF4-FFF2-40B4-BE49-F238E27FC236}">
+                <a16:creationId xmlns:a16="http://schemas.microsoft.com/office/drawing/2014/main" id="{1402A6DB-D7D2-655B-9B2A-A29DF52A889F}"/>
+              </a:ext>
+            </a:extLst>
+          </p:cNvPr>
+          <p:cNvSpPr txBox="1"/>
+          <p:nvPr/>
+        </p:nvSpPr>
+        <p:spPr>
+          <a:xfrm>
+            <a:off x="621324" y="5065537"/>
+            <a:ext cx="5729385" cy="584775"/>
+          </a:xfrm>
+          <a:prstGeom prst="rect">
+            <a:avLst/>
+          </a:prstGeom>
+          <a:noFill/>
+        </p:spPr>
+        <p:txBody>
+          <a:bodyPr wrap="square">
+            <a:spAutoFit/>
+          </a:bodyPr>
+          <a:lstStyle/>
+          <a:p>
+            <a:pPr algn="ctr"/>
+            <a:r>
+              <a:rPr lang="en-GB" sz="1600" dirty="0">
+                <a:latin typeface="Chalkboard" panose="03050602040202020205" pitchFamily="66" charset="0"/>
+              </a:rPr>
+              <a:t>Number of generations to fixation in each subpopulation </a:t>
+            </a:r>
+            <a:br>
+              <a:rPr lang="en-GB" sz="1600" dirty="0">
+                <a:latin typeface="Chalkboard" panose="03050602040202020205" pitchFamily="66" charset="0"/>
+              </a:rPr>
+            </a:br>
+            <a:r>
+              <a:rPr lang="en-GB" sz="1600" dirty="0">
+                <a:latin typeface="Chalkboard" panose="03050602040202020205" pitchFamily="66" charset="0"/>
+              </a:rPr>
+              <a:t>in relation to the size of the whole population</a:t>
+            </a:r>
+            <a:endParaRPr lang="en-GB" sz="1600" dirty="0">
+              <a:solidFill>
+                <a:srgbClr val="0E1BDD"/>
+              </a:solidFill>
+              <a:effectLst/>
+              <a:latin typeface="Chalkboard" panose="03050602040202020205" pitchFamily="66" charset="0"/>
+            </a:endParaRPr>
+          </a:p>
+        </p:txBody>
+      </p:sp>
+      <p:sp>
+        <p:nvSpPr>
+          <p:cNvPr id="9" name="TextBox 8">
+            <a:extLst>
+              <a:ext uri="{FF2B5EF4-FFF2-40B4-BE49-F238E27FC236}">
+                <a16:creationId xmlns:a16="http://schemas.microsoft.com/office/drawing/2014/main" id="{9D3568C0-5A4F-2BEA-7918-CD0FB257430F}"/>
+              </a:ext>
+            </a:extLst>
+          </p:cNvPr>
+          <p:cNvSpPr txBox="1"/>
+          <p:nvPr/>
+        </p:nvSpPr>
+        <p:spPr>
+          <a:xfrm>
+            <a:off x="7029547" y="1769739"/>
+            <a:ext cx="4697825" cy="1200329"/>
+          </a:xfrm>
+          <a:prstGeom prst="rect">
+            <a:avLst/>
+          </a:prstGeom>
+          <a:noFill/>
+        </p:spPr>
+        <p:txBody>
+          <a:bodyPr wrap="none" rtlCol="0">
+            <a:spAutoFit/>
+          </a:bodyPr>
+          <a:lstStyle/>
+          <a:p>
+            <a:pPr algn="ctr"/>
+            <a:r>
+              <a:rPr lang="en-US" dirty="0">
+                <a:solidFill>
+                  <a:srgbClr val="0E1BDD"/>
+                </a:solidFill>
+                <a:latin typeface="Chalkboard" panose="03050602040202020205" pitchFamily="66" charset="0"/>
+              </a:rPr>
+              <a:t>Example:</a:t>
+            </a:r>
+          </a:p>
+          <a:p>
+            <a:pPr algn="ctr"/>
+            <a:r>
+              <a:rPr lang="en-US" dirty="0">
+                <a:latin typeface="Chalkboard" panose="03050602040202020205" pitchFamily="66" charset="0"/>
+              </a:rPr>
+              <a:t>Population = 10000 individuals</a:t>
+            </a:r>
+          </a:p>
+          <a:p>
+            <a:pPr algn="ctr"/>
+            <a:r>
+              <a:rPr lang="en-US" dirty="0">
+                <a:latin typeface="Chalkboard" panose="03050602040202020205" pitchFamily="66" charset="0"/>
+              </a:rPr>
+              <a:t>Sub-population = 1000 individuals</a:t>
+            </a:r>
+          </a:p>
+          <a:p>
+            <a:pPr algn="ctr"/>
+            <a:r>
+              <a:rPr lang="en-US" dirty="0">
+                <a:latin typeface="Chalkboard" panose="03050602040202020205" pitchFamily="66" charset="0"/>
+              </a:rPr>
+              <a:t>Time to fixation</a:t>
+            </a:r>
+            <a:r>
+              <a:rPr lang="ru-RU" dirty="0">
+                <a:latin typeface="Chalkboard" panose="03050602040202020205" pitchFamily="66" charset="0"/>
+              </a:rPr>
+              <a:t> = 3392 ± </a:t>
+            </a:r>
+            <a:r>
+              <a:rPr lang="ru-RU" dirty="0">
+                <a:solidFill>
+                  <a:srgbClr val="212121"/>
+                </a:solidFill>
+                <a:latin typeface="Chalkboard" panose="03050602040202020205" pitchFamily="66" charset="0"/>
+              </a:rPr>
+              <a:t>1327</a:t>
+            </a:r>
+            <a:r>
+              <a:rPr lang="en-US" dirty="0">
+                <a:solidFill>
+                  <a:srgbClr val="212121"/>
+                </a:solidFill>
+                <a:latin typeface="Chalkboard" panose="03050602040202020205" pitchFamily="66" charset="0"/>
+              </a:rPr>
+              <a:t> generations</a:t>
+            </a:r>
+            <a:endParaRPr lang="en-US" dirty="0">
+              <a:latin typeface="Chalkboard" panose="03050602040202020205" pitchFamily="66" charset="0"/>
+            </a:endParaRPr>
+          </a:p>
+        </p:txBody>
+      </p:sp>
+      <p:sp>
+        <p:nvSpPr>
+          <p:cNvPr id="13" name="TextBox 12">
+            <a:extLst>
+              <a:ext uri="{FF2B5EF4-FFF2-40B4-BE49-F238E27FC236}">
+                <a16:creationId xmlns:a16="http://schemas.microsoft.com/office/drawing/2014/main" id="{91079EF6-DFAE-DBF7-D2B4-8BA23F4BE209}"/>
+              </a:ext>
+            </a:extLst>
+          </p:cNvPr>
+          <p:cNvSpPr txBox="1"/>
+          <p:nvPr/>
+        </p:nvSpPr>
+        <p:spPr>
+          <a:xfrm>
+            <a:off x="7029548" y="3567499"/>
+            <a:ext cx="4924862" cy="923330"/>
+          </a:xfrm>
+          <a:prstGeom prst="rect">
+            <a:avLst/>
+          </a:prstGeom>
+          <a:noFill/>
+        </p:spPr>
+        <p:txBody>
+          <a:bodyPr wrap="square">
+            <a:spAutoFit/>
+          </a:bodyPr>
+          <a:lstStyle/>
+          <a:p>
+            <a:pPr algn="ctr"/>
+            <a:r>
+              <a:rPr lang="en-US" b="0" i="0" u="none" strike="noStrike" dirty="0">
+                <a:solidFill>
+                  <a:srgbClr val="0E1BDD"/>
+                </a:solidFill>
+                <a:effectLst/>
+                <a:latin typeface="Chalkboard" panose="03050602040202020205" pitchFamily="66" charset="0"/>
+              </a:rPr>
+              <a:t>Comparing to Task 1 without splits:</a:t>
+            </a:r>
+            <a:endParaRPr lang="ru-RU" b="0" i="0" u="none" strike="noStrike" dirty="0">
+              <a:solidFill>
+                <a:srgbClr val="0E1BDD"/>
+              </a:solidFill>
+              <a:effectLst/>
+              <a:latin typeface="Chalkboard" panose="03050602040202020205" pitchFamily="66" charset="0"/>
+            </a:endParaRPr>
+          </a:p>
+          <a:p>
+            <a:pPr algn="ctr"/>
+            <a:r>
+              <a:rPr lang="en-US" dirty="0">
+                <a:latin typeface="Chalkboard" panose="03050602040202020205" pitchFamily="66" charset="0"/>
+              </a:rPr>
+              <a:t>Time to fixation</a:t>
+            </a:r>
+            <a:r>
+              <a:rPr lang="ru-RU" dirty="0">
+                <a:latin typeface="Chalkboard" panose="03050602040202020205" pitchFamily="66" charset="0"/>
+              </a:rPr>
+              <a:t> </a:t>
+            </a:r>
+            <a:r>
+              <a:rPr lang="en-US" dirty="0">
+                <a:latin typeface="Chalkboard" panose="03050602040202020205" pitchFamily="66" charset="0"/>
+              </a:rPr>
+              <a:t>= </a:t>
+            </a:r>
+            <a:r>
+              <a:rPr lang="en-GB" b="0" i="0" u="none" strike="noStrike" dirty="0">
+                <a:solidFill>
+                  <a:srgbClr val="212121"/>
+                </a:solidFill>
+                <a:effectLst/>
+                <a:latin typeface="Chalkboard" panose="03050602040202020205" pitchFamily="66" charset="0"/>
+              </a:rPr>
+              <a:t>13344 </a:t>
+            </a:r>
+            <a:r>
+              <a:rPr lang="ru-RU" dirty="0">
+                <a:latin typeface="Chalkboard" panose="03050602040202020205" pitchFamily="66" charset="0"/>
+              </a:rPr>
+              <a:t>±</a:t>
+            </a:r>
+            <a:r>
+              <a:rPr lang="en-GB" b="0" i="0" u="none" strike="noStrike" dirty="0">
+                <a:solidFill>
+                  <a:srgbClr val="212121"/>
+                </a:solidFill>
+                <a:effectLst/>
+                <a:latin typeface="Chalkboard" panose="03050602040202020205" pitchFamily="66" charset="0"/>
+              </a:rPr>
+              <a:t> 9898 </a:t>
+            </a:r>
+            <a:r>
+              <a:rPr lang="en-US" dirty="0">
+                <a:solidFill>
+                  <a:srgbClr val="212121"/>
+                </a:solidFill>
+                <a:latin typeface="Chalkboard" panose="03050602040202020205" pitchFamily="66" charset="0"/>
+              </a:rPr>
+              <a:t>generations</a:t>
+            </a:r>
+          </a:p>
+          <a:p>
+            <a:pPr algn="ctr"/>
+            <a:r>
+              <a:rPr lang="en-US" dirty="0">
+                <a:solidFill>
+                  <a:srgbClr val="212121"/>
+                </a:solidFill>
+                <a:latin typeface="Chalkboard" panose="03050602040202020205" pitchFamily="66" charset="0"/>
+              </a:rPr>
+              <a:t>for population of 10000 individuals</a:t>
+            </a:r>
+            <a:endParaRPr lang="ru-RU" dirty="0"/>
+          </a:p>
+        </p:txBody>
+      </p:sp>
+    </p:spTree>
+    <p:extLst>
+      <p:ext uri="{BB962C8B-B14F-4D97-AF65-F5344CB8AC3E}">
+        <p14:creationId xmlns:p14="http://schemas.microsoft.com/office/powerpoint/2010/main" val="615935080"/>
+      </p:ext>
+    </p:extLst>
+  </p:cSld>
+  <p:clrMapOvr>
+    <a:masterClrMapping/>
+  </p:clrMapOvr>
+</p:sld>
+</file>
+
+<file path=ppt/slides/slide15.xml><?xml version="1.0" encoding="utf-8"?>
+<p:sld xmlns:a="http://schemas.openxmlformats.org/drawingml/2006/main" xmlns:r="http://schemas.openxmlformats.org/officeDocument/2006/relationships" xmlns:p="http://schemas.openxmlformats.org/presentationml/2006/main">
+  <p:cSld>
+    <p:spTree>
+      <p:nvGrpSpPr>
+        <p:cNvPr id="1" name=""/>
+        <p:cNvGrpSpPr/>
+        <p:nvPr/>
+      </p:nvGrpSpPr>
+      <p:grpSpPr>
+        <a:xfrm>
+          <a:off x="0" y="0"/>
+          <a:ext cx="0" cy="0"/>
+          <a:chOff x="0" y="0"/>
+          <a:chExt cx="0" cy="0"/>
+        </a:xfrm>
+      </p:grpSpPr>
+      <p:sp>
+        <p:nvSpPr>
+          <p:cNvPr id="2" name="Заголовок 1">
+            <a:extLst>
+              <a:ext uri="{FF2B5EF4-FFF2-40B4-BE49-F238E27FC236}">
+                <a16:creationId xmlns:a16="http://schemas.microsoft.com/office/drawing/2014/main" id="{4EBECC91-E846-795A-D73D-EEABF1080051}"/>
+              </a:ext>
+            </a:extLst>
+          </p:cNvPr>
+          <p:cNvSpPr>
+            <a:spLocks noGrp="1"/>
+          </p:cNvSpPr>
+          <p:nvPr>
+            <p:ph type="title"/>
+          </p:nvPr>
+        </p:nvSpPr>
+        <p:spPr>
+          <a:xfrm>
+            <a:off x="1058007" y="212725"/>
+            <a:ext cx="10075985" cy="959583"/>
+          </a:xfrm>
+        </p:spPr>
+        <p:txBody>
+          <a:bodyPr>
+            <a:normAutofit/>
+          </a:bodyPr>
+          <a:lstStyle/>
+          <a:p>
+            <a:pPr algn="ctr"/>
+            <a:r>
+              <a:rPr lang="en-GB" sz="3500" dirty="0">
+                <a:solidFill>
+                  <a:srgbClr val="0E1BDD"/>
+                </a:solidFill>
+                <a:latin typeface="Chalkboard" panose="03050602040202020205" pitchFamily="66" charset="0"/>
+              </a:rPr>
+              <a:t>Migration</a:t>
+            </a:r>
+            <a:endParaRPr lang="ru-RU" sz="3500" dirty="0">
+              <a:solidFill>
+                <a:srgbClr val="0E1BDD"/>
+              </a:solidFill>
+            </a:endParaRPr>
+          </a:p>
+        </p:txBody>
+      </p:sp>
+      <p:sp>
+        <p:nvSpPr>
+          <p:cNvPr id="10" name="TextBox 9">
+            <a:extLst>
+              <a:ext uri="{FF2B5EF4-FFF2-40B4-BE49-F238E27FC236}">
+                <a16:creationId xmlns:a16="http://schemas.microsoft.com/office/drawing/2014/main" id="{AE616868-F505-1C35-8EF5-65849E8AFA74}"/>
+              </a:ext>
+            </a:extLst>
+          </p:cNvPr>
+          <p:cNvSpPr txBox="1"/>
+          <p:nvPr/>
+        </p:nvSpPr>
+        <p:spPr>
+          <a:xfrm>
+            <a:off x="6148307" y="5145503"/>
+            <a:ext cx="4642041" cy="584775"/>
+          </a:xfrm>
+          <a:prstGeom prst="rect">
+            <a:avLst/>
+          </a:prstGeom>
+          <a:noFill/>
+        </p:spPr>
+        <p:txBody>
+          <a:bodyPr wrap="none" rtlCol="0">
+            <a:spAutoFit/>
+          </a:bodyPr>
+          <a:lstStyle/>
+          <a:p>
+            <a:pPr algn="ctr"/>
+            <a:r>
+              <a:rPr lang="en-US" sz="1600" dirty="0">
+                <a:solidFill>
+                  <a:srgbClr val="0E1BDD"/>
+                </a:solidFill>
+                <a:latin typeface="Chalkboard" panose="03050602040202020205" pitchFamily="66" charset="0"/>
+              </a:rPr>
+              <a:t>Population sizes </a:t>
+            </a:r>
+            <a:r>
+              <a:rPr lang="en-US" sz="1600" dirty="0">
+                <a:latin typeface="Chalkboard" panose="03050602040202020205" pitchFamily="66" charset="0"/>
+              </a:rPr>
+              <a:t>= [100, 500, 1000, 5000, 10000]</a:t>
+            </a:r>
+          </a:p>
+          <a:p>
+            <a:pPr algn="ctr"/>
+            <a:r>
+              <a:rPr lang="en-US" sz="1600" dirty="0">
+                <a:solidFill>
+                  <a:srgbClr val="0E1BDD"/>
+                </a:solidFill>
+                <a:latin typeface="Chalkboard" panose="03050602040202020205" pitchFamily="66" charset="0"/>
+              </a:rPr>
+              <a:t>Initial frequency </a:t>
+            </a:r>
+            <a:r>
+              <a:rPr lang="en-US" sz="1600" dirty="0">
+                <a:latin typeface="Chalkboard" panose="03050602040202020205" pitchFamily="66" charset="0"/>
+              </a:rPr>
+              <a:t>= 0.5 for both alleles A and B</a:t>
+            </a:r>
+            <a:endParaRPr lang="ru-RU" sz="1600" dirty="0"/>
+          </a:p>
+        </p:txBody>
+      </p:sp>
+      <p:sp>
+        <p:nvSpPr>
+          <p:cNvPr id="12" name="TextBox 11">
+            <a:extLst>
+              <a:ext uri="{FF2B5EF4-FFF2-40B4-BE49-F238E27FC236}">
+                <a16:creationId xmlns:a16="http://schemas.microsoft.com/office/drawing/2014/main" id="{8C84CAFE-CA94-3643-1132-27A5898D4B3B}"/>
+              </a:ext>
+            </a:extLst>
+          </p:cNvPr>
+          <p:cNvSpPr txBox="1"/>
+          <p:nvPr/>
+        </p:nvSpPr>
+        <p:spPr>
+          <a:xfrm>
+            <a:off x="921209" y="1652954"/>
+            <a:ext cx="4005199" cy="923330"/>
+          </a:xfrm>
+          <a:prstGeom prst="rect">
+            <a:avLst/>
+          </a:prstGeom>
+          <a:noFill/>
+        </p:spPr>
+        <p:txBody>
+          <a:bodyPr wrap="none" rtlCol="0">
+            <a:spAutoFit/>
+          </a:bodyPr>
+          <a:lstStyle/>
+          <a:p>
+            <a:pPr algn="ctr"/>
+            <a:r>
+              <a:rPr lang="en-US" dirty="0">
+                <a:solidFill>
+                  <a:srgbClr val="0E1BDD"/>
+                </a:solidFill>
+                <a:latin typeface="Chalkboard" panose="03050602040202020205" pitchFamily="66" charset="0"/>
+              </a:rPr>
+              <a:t>1 population </a:t>
+            </a:r>
+            <a:r>
+              <a:rPr lang="en-US" dirty="0">
+                <a:latin typeface="Chalkboard" panose="03050602040202020205" pitchFamily="66" charset="0"/>
+              </a:rPr>
+              <a:t>-&gt;</a:t>
+            </a:r>
+          </a:p>
+          <a:p>
+            <a:pPr algn="ctr"/>
+            <a:r>
+              <a:rPr lang="en-US" dirty="0">
+                <a:latin typeface="Chalkboard" panose="03050602040202020205" pitchFamily="66" charset="0"/>
+              </a:rPr>
+              <a:t> </a:t>
+            </a:r>
+            <a:r>
+              <a:rPr lang="en-US" dirty="0">
+                <a:solidFill>
+                  <a:srgbClr val="FF0000"/>
+                </a:solidFill>
+                <a:latin typeface="Chalkboard" panose="03050602040202020205" pitchFamily="66" charset="0"/>
+              </a:rPr>
+              <a:t>10 independent sub-populations </a:t>
+            </a:r>
+          </a:p>
+          <a:p>
+            <a:pPr algn="ctr"/>
+            <a:r>
+              <a:rPr lang="en-US" dirty="0">
+                <a:latin typeface="Chalkboard" panose="03050602040202020205" pitchFamily="66" charset="0"/>
+              </a:rPr>
+              <a:t>with the same number of individuals</a:t>
+            </a:r>
+            <a:endParaRPr lang="ru-RU" dirty="0"/>
+          </a:p>
+        </p:txBody>
+      </p:sp>
+      <p:sp>
+        <p:nvSpPr>
+          <p:cNvPr id="14" name="TextBox 13">
+            <a:extLst>
+              <a:ext uri="{FF2B5EF4-FFF2-40B4-BE49-F238E27FC236}">
+                <a16:creationId xmlns:a16="http://schemas.microsoft.com/office/drawing/2014/main" id="{D8EEF555-D809-C853-D2FC-25C6EAEC3D04}"/>
+              </a:ext>
+            </a:extLst>
+          </p:cNvPr>
+          <p:cNvSpPr txBox="1"/>
+          <p:nvPr/>
+        </p:nvSpPr>
+        <p:spPr>
+          <a:xfrm>
+            <a:off x="1348154" y="2849370"/>
+            <a:ext cx="2477601" cy="369332"/>
+          </a:xfrm>
+          <a:prstGeom prst="rect">
+            <a:avLst/>
+          </a:prstGeom>
+          <a:noFill/>
+        </p:spPr>
+        <p:txBody>
+          <a:bodyPr wrap="none" rtlCol="0">
+            <a:spAutoFit/>
+          </a:bodyPr>
+          <a:lstStyle/>
+          <a:p>
+            <a:pPr algn="ctr"/>
+            <a:r>
+              <a:rPr lang="en-US" dirty="0">
+                <a:latin typeface="Chalkboard" panose="03050602040202020205" pitchFamily="66" charset="0"/>
+              </a:rPr>
+              <a:t>Migration rate </a:t>
+            </a:r>
+            <a:r>
+              <a:rPr lang="en-US" dirty="0">
+                <a:solidFill>
+                  <a:srgbClr val="0E1BDD"/>
+                </a:solidFill>
+                <a:latin typeface="Chalkboard" panose="03050602040202020205" pitchFamily="66" charset="0"/>
+              </a:rPr>
+              <a:t>m = 0.1</a:t>
+            </a:r>
+            <a:endParaRPr lang="ru-RU" dirty="0">
+              <a:solidFill>
+                <a:srgbClr val="0E1BDD"/>
+              </a:solidFill>
+            </a:endParaRPr>
+          </a:p>
+        </p:txBody>
+      </p:sp>
+      <p:pic>
+        <p:nvPicPr>
+          <p:cNvPr id="4" name="Рисунок 3" descr="Изображение выглядит как текст, снимок экрана, линия, График&#10;&#10;Автоматически созданное описание">
+            <a:extLst>
+              <a:ext uri="{FF2B5EF4-FFF2-40B4-BE49-F238E27FC236}">
+                <a16:creationId xmlns:a16="http://schemas.microsoft.com/office/drawing/2014/main" id="{D2E080AD-67E7-1DB0-6A96-39B56BBAAB89}"/>
+              </a:ext>
+            </a:extLst>
+          </p:cNvPr>
+          <p:cNvPicPr>
+            <a:picLocks noChangeAspect="1"/>
+          </p:cNvPicPr>
+          <p:nvPr/>
+        </p:nvPicPr>
+        <p:blipFill>
+          <a:blip r:embed="rId2"/>
+          <a:stretch>
+            <a:fillRect/>
+          </a:stretch>
+        </p:blipFill>
+        <p:spPr>
+          <a:xfrm>
+            <a:off x="5505790" y="1420109"/>
+            <a:ext cx="5927077" cy="3227854"/>
+          </a:xfrm>
+          <a:prstGeom prst="rect">
+            <a:avLst/>
+          </a:prstGeom>
+          <a:ln>
+            <a:solidFill>
+              <a:srgbClr val="0E1BDD"/>
+            </a:solidFill>
+          </a:ln>
+        </p:spPr>
+      </p:pic>
+    </p:spTree>
+    <p:extLst>
+      <p:ext uri="{BB962C8B-B14F-4D97-AF65-F5344CB8AC3E}">
+        <p14:creationId xmlns:p14="http://schemas.microsoft.com/office/powerpoint/2010/main" val="3832513828"/>
+      </p:ext>
+    </p:extLst>
+  </p:cSld>
+  <p:clrMapOvr>
+    <a:masterClrMapping/>
+  </p:clrMapOvr>
+</p:sld>
+</file>
+
+<file path=ppt/slides/slide16.xml><?xml version="1.0" encoding="utf-8"?>
+<p:sld xmlns:a="http://schemas.openxmlformats.org/drawingml/2006/main" xmlns:r="http://schemas.openxmlformats.org/officeDocument/2006/relationships" xmlns:p="http://schemas.openxmlformats.org/presentationml/2006/main">
+  <p:cSld>
+    <p:spTree>
+      <p:nvGrpSpPr>
+        <p:cNvPr id="1" name=""/>
+        <p:cNvGrpSpPr/>
+        <p:nvPr/>
+      </p:nvGrpSpPr>
+      <p:grpSpPr>
+        <a:xfrm>
+          <a:off x="0" y="0"/>
+          <a:ext cx="0" cy="0"/>
+          <a:chOff x="0" y="0"/>
+          <a:chExt cx="0" cy="0"/>
+        </a:xfrm>
+      </p:grpSpPr>
+      <p:sp>
+        <p:nvSpPr>
+          <p:cNvPr id="2" name="Заголовок 1">
+            <a:extLst>
+              <a:ext uri="{FF2B5EF4-FFF2-40B4-BE49-F238E27FC236}">
+                <a16:creationId xmlns:a16="http://schemas.microsoft.com/office/drawing/2014/main" id="{4EBECC91-E846-795A-D73D-EEABF1080051}"/>
+              </a:ext>
+            </a:extLst>
+          </p:cNvPr>
+          <p:cNvSpPr>
+            <a:spLocks noGrp="1"/>
+          </p:cNvSpPr>
+          <p:nvPr>
+            <p:ph type="title"/>
+          </p:nvPr>
+        </p:nvSpPr>
+        <p:spPr>
+          <a:xfrm>
+            <a:off x="1058007" y="2674571"/>
+            <a:ext cx="10075985" cy="959583"/>
+          </a:xfrm>
+        </p:spPr>
+        <p:txBody>
+          <a:bodyPr>
+            <a:normAutofit/>
+          </a:bodyPr>
+          <a:lstStyle/>
+          <a:p>
+            <a:pPr algn="ctr"/>
+            <a:r>
+              <a:rPr lang="en-GB" sz="3500" dirty="0">
+                <a:solidFill>
+                  <a:srgbClr val="0E1BDD"/>
+                </a:solidFill>
+                <a:latin typeface="Chalkboard" panose="03050602040202020205" pitchFamily="66" charset="0"/>
+              </a:rPr>
+              <a:t>Thank you for your attention!</a:t>
+            </a:r>
+            <a:endParaRPr lang="ru-RU" sz="3500" dirty="0">
+              <a:solidFill>
+                <a:srgbClr val="0E1BDD"/>
+              </a:solidFill>
+            </a:endParaRPr>
+          </a:p>
+        </p:txBody>
+      </p:sp>
+    </p:spTree>
+    <p:extLst>
+      <p:ext uri="{BB962C8B-B14F-4D97-AF65-F5344CB8AC3E}">
+        <p14:creationId xmlns:p14="http://schemas.microsoft.com/office/powerpoint/2010/main" val="1244986191"/>
       </p:ext>
     </p:extLst>
   </p:cSld>
@@ -5995,8 +7998,8 @@
         </p:nvSpPr>
         <p:spPr>
           <a:xfrm>
-            <a:off x="6928211" y="1822938"/>
-            <a:ext cx="4794739" cy="1015663"/>
+            <a:off x="6904765" y="2774663"/>
+            <a:ext cx="4794739" cy="646331"/>
           </a:xfrm>
           <a:prstGeom prst="rect">
             <a:avLst/>
@@ -6011,33 +8014,48 @@
           <a:p>
             <a:pPr algn="ctr"/>
             <a:r>
-              <a:rPr lang="en-US" sz="2000" dirty="0">
+              <a:rPr lang="en-US" dirty="0">
                 <a:solidFill>
                   <a:srgbClr val="0E1BDD"/>
                 </a:solidFill>
                 <a:latin typeface="Chalkboard" panose="03050602040202020205" pitchFamily="66" charset="0"/>
               </a:rPr>
-              <a:t> </a:t>
-            </a:r>
-            <a:r>
-              <a:rPr lang="ru-RU" sz="2000" dirty="0">
+              <a:t>Number of generation before fixation </a:t>
+            </a:r>
+            <a:r>
+              <a:rPr lang="ru-RU" b="0" i="0" u="none" strike="noStrike" dirty="0">
                 <a:solidFill>
                   <a:srgbClr val="0E1BDD"/>
                 </a:solidFill>
-                <a:latin typeface="Chalkboard" panose="03050602040202020205" pitchFamily="66" charset="0"/>
-              </a:rPr>
-              <a:t>Смотри в лекции, где </a:t>
-            </a:r>
-            <a:r>
-              <a:rPr lang="en-US" sz="2000" dirty="0">
+                <a:effectLst/>
+                <a:latin typeface="Google Sans"/>
+              </a:rPr>
+              <a:t>≈</a:t>
+            </a:r>
+            <a:endParaRPr lang="en-US" b="0" i="0" u="none" strike="noStrike" dirty="0">
+              <a:solidFill>
+                <a:srgbClr val="0E1BDD"/>
+              </a:solidFill>
+              <a:effectLst/>
+              <a:latin typeface="Chalkboard" panose="03050602040202020205" pitchFamily="66" charset="0"/>
+            </a:endParaRPr>
+          </a:p>
+          <a:p>
+            <a:pPr algn="ctr"/>
+            <a:r>
+              <a:rPr lang="en-US" dirty="0">
                 <a:solidFill>
-                  <a:srgbClr val="0E1BDD"/>
+                  <a:srgbClr val="FF0000"/>
                 </a:solidFill>
                 <a:latin typeface="Chalkboard" panose="03050602040202020205" pitchFamily="66" charset="0"/>
               </a:rPr>
-              <a:t>expected heterozygosity and expected homozygosity</a:t>
-            </a:r>
-            <a:endParaRPr lang="ru-RU" sz="2000" dirty="0"/>
+              <a:t>Size of population</a:t>
+            </a:r>
+            <a:endParaRPr lang="ru-RU" dirty="0">
+              <a:solidFill>
+                <a:srgbClr val="FF0000"/>
+              </a:solidFill>
+            </a:endParaRPr>
           </a:p>
         </p:txBody>
       </p:sp>
@@ -6210,8 +8228,8 @@
           </a:p>
         </p:txBody>
       </p:sp>
-      <mc:AlternateContent xmlns:mc="http://schemas.openxmlformats.org/markup-compatibility/2006">
-        <mc:Choice xmlns:a14="http://schemas.microsoft.com/office/drawing/2010/main" Requires="a14">
+      <mc:AlternateContent xmlns:mc="http://schemas.openxmlformats.org/markup-compatibility/2006" xmlns:a14="http://schemas.microsoft.com/office/drawing/2010/main">
+        <mc:Choice Requires="a14">
           <p:sp>
             <p:nvSpPr>
               <p:cNvPr id="10" name="TextBox 9">
@@ -6480,7 +8498,7 @@
             </p:txBody>
           </p:sp>
         </mc:Choice>
-        <mc:Fallback>
+        <mc:Fallback xmlns="">
           <p:sp>
             <p:nvSpPr>
               <p:cNvPr id="10" name="TextBox 9">
@@ -7636,8 +9654,8 @@
           </a:p>
         </p:txBody>
       </p:sp>
-      <mc:AlternateContent xmlns:mc="http://schemas.openxmlformats.org/markup-compatibility/2006">
-        <mc:Choice xmlns:a14="http://schemas.microsoft.com/office/drawing/2010/main" Requires="a14">
+      <mc:AlternateContent xmlns:mc="http://schemas.openxmlformats.org/markup-compatibility/2006" xmlns:a14="http://schemas.microsoft.com/office/drawing/2010/main">
+        <mc:Choice Requires="a14">
           <p:sp>
             <p:nvSpPr>
               <p:cNvPr id="10" name="TextBox 9">
@@ -8190,7 +10208,7 @@
             </p:txBody>
           </p:sp>
         </mc:Choice>
-        <mc:Fallback>
+        <mc:Fallback xmlns="">
           <p:sp>
             <p:nvSpPr>
               <p:cNvPr id="10" name="TextBox 9">
@@ -8235,8 +10253,8 @@
           </p:sp>
         </mc:Fallback>
       </mc:AlternateContent>
-      <mc:AlternateContent xmlns:mc="http://schemas.openxmlformats.org/markup-compatibility/2006">
-        <mc:Choice xmlns:a14="http://schemas.microsoft.com/office/drawing/2010/main" Requires="a14">
+      <mc:AlternateContent xmlns:mc="http://schemas.openxmlformats.org/markup-compatibility/2006" xmlns:a14="http://schemas.microsoft.com/office/drawing/2010/main">
+        <mc:Choice Requires="a14">
           <p:sp>
             <p:nvSpPr>
               <p:cNvPr id="12" name="TextBox 11">
@@ -8317,7 +10335,7 @@
             </p:txBody>
           </p:sp>
         </mc:Choice>
-        <mc:Fallback>
+        <mc:Fallback xmlns="">
           <p:sp>
             <p:nvSpPr>
               <p:cNvPr id="12" name="TextBox 11">
